--- a/Analysis/3_Venn diagram/Consensus/Modified Venn consensus.pptx
+++ b/Analysis/3_Venn diagram/Consensus/Modified Venn consensus.pptx
@@ -104,7 +104,65 @@
       </a:defRPr>
     </a:lvl9pPr>
   </p:defaultTextStyle>
+  <p:extLst>
+    <p:ext uri="{EFAFB233-063F-42B5-8137-9DF3F51BA10A}">
+      <p15:sldGuideLst xmlns:p15="http://schemas.microsoft.com/office/powerpoint/2012/main"/>
+    </p:ext>
+  </p:extLst>
 </p:presentation>
+</file>
+
+<file path=ppt/revisionInfo.xml><?xml version="1.0" encoding="utf-8"?>
+<p1510:revInfo xmlns:a="http://schemas.openxmlformats.org/drawingml/2006/main" xmlns:r="http://schemas.openxmlformats.org/officeDocument/2006/relationships" xmlns:p1510="http://schemas.microsoft.com/office/powerpoint/2015/10/main">
+  <p1510:revLst>
+    <p1510:client id="{B1EBCF3F-499A-4530-917D-36AC5B5F79C0}" v="2" dt="2025-06-30T11:13:38.497"/>
+  </p1510:revLst>
+</p1510:revInfo>
+</file>
+
+<file path=ppt/changesInfos/changesInfo1.xml><?xml version="1.0" encoding="utf-8"?>
+<pc:chgInfo xmlns:a="http://schemas.openxmlformats.org/drawingml/2006/main" xmlns:r="http://schemas.openxmlformats.org/officeDocument/2006/relationships" xmlns:ac="http://schemas.microsoft.com/office/drawing/2013/main/command" xmlns:pc="http://schemas.microsoft.com/office/powerpoint/2013/main/command">
+  <pc:docChgLst>
+    <pc:chgData name="Louis Delannoy" userId="6bbd738b-f5c9-466e-9925-69f65ad2c6d1" providerId="ADAL" clId="{B1EBCF3F-499A-4530-917D-36AC5B5F79C0}"/>
+    <pc:docChg chg="undo custSel modSld">
+      <pc:chgData name="Louis Delannoy" userId="6bbd738b-f5c9-466e-9925-69f65ad2c6d1" providerId="ADAL" clId="{B1EBCF3F-499A-4530-917D-36AC5B5F79C0}" dt="2025-06-30T11:14:01.077" v="11" actId="20577"/>
+      <pc:docMkLst>
+        <pc:docMk/>
+      </pc:docMkLst>
+      <pc:sldChg chg="modSp mod">
+        <pc:chgData name="Louis Delannoy" userId="6bbd738b-f5c9-466e-9925-69f65ad2c6d1" providerId="ADAL" clId="{B1EBCF3F-499A-4530-917D-36AC5B5F79C0}" dt="2025-06-30T11:14:01.077" v="11" actId="20577"/>
+        <pc:sldMkLst>
+          <pc:docMk/>
+          <pc:sldMk cId="2961768801" sldId="257"/>
+        </pc:sldMkLst>
+        <pc:spChg chg="mod">
+          <ac:chgData name="Louis Delannoy" userId="6bbd738b-f5c9-466e-9925-69f65ad2c6d1" providerId="ADAL" clId="{B1EBCF3F-499A-4530-917D-36AC5B5F79C0}" dt="2025-06-30T11:13:38.497" v="1"/>
+          <ac:spMkLst>
+            <pc:docMk/>
+            <pc:sldMk cId="2961768801" sldId="257"/>
+            <ac:spMk id="14" creationId="{BA9E2E0C-6308-F30C-C20B-A34BA055ED5D}"/>
+          </ac:spMkLst>
+        </pc:spChg>
+        <pc:spChg chg="mod">
+          <ac:chgData name="Louis Delannoy" userId="6bbd738b-f5c9-466e-9925-69f65ad2c6d1" providerId="ADAL" clId="{B1EBCF3F-499A-4530-917D-36AC5B5F79C0}" dt="2025-06-30T11:14:01.077" v="11" actId="20577"/>
+          <ac:spMkLst>
+            <pc:docMk/>
+            <pc:sldMk cId="2961768801" sldId="257"/>
+            <ac:spMk id="15" creationId="{CFA0B97B-5B30-DEF0-98BB-E6E67401F065}"/>
+          </ac:spMkLst>
+        </pc:spChg>
+        <pc:spChg chg="mod">
+          <ac:chgData name="Louis Delannoy" userId="6bbd738b-f5c9-466e-9925-69f65ad2c6d1" providerId="ADAL" clId="{B1EBCF3F-499A-4530-917D-36AC5B5F79C0}" dt="2025-06-30T11:13:53.373" v="4" actId="1076"/>
+          <ac:spMkLst>
+            <pc:docMk/>
+            <pc:sldMk cId="2961768801" sldId="257"/>
+            <ac:spMk id="16" creationId="{4C836D0C-5699-72D9-A008-6418E72E3226}"/>
+          </ac:spMkLst>
+        </pc:spChg>
+      </pc:sldChg>
+    </pc:docChg>
+  </pc:docChgLst>
+</pc:chgInfo>
 </file>
 
 <file path=ppt/slideLayouts/slideLayout1.xml><?xml version="1.0" encoding="utf-8"?>
@@ -256,7 +314,7 @@
           <a:p>
             <a:fld id="{6E9C2EB9-ED68-4486-85BD-9CBFDE53D203}" type="datetimeFigureOut">
               <a:rPr lang="en-SE" smtClean="0"/>
-              <a:t>2025-06-24</a:t>
+              <a:t>2025-06-30</a:t>
             </a:fld>
             <a:endParaRPr lang="en-SE"/>
           </a:p>
@@ -456,7 +514,7 @@
           <a:p>
             <a:fld id="{6E9C2EB9-ED68-4486-85BD-9CBFDE53D203}" type="datetimeFigureOut">
               <a:rPr lang="en-SE" smtClean="0"/>
-              <a:t>2025-06-24</a:t>
+              <a:t>2025-06-30</a:t>
             </a:fld>
             <a:endParaRPr lang="en-SE"/>
           </a:p>
@@ -666,7 +724,7 @@
           <a:p>
             <a:fld id="{6E9C2EB9-ED68-4486-85BD-9CBFDE53D203}" type="datetimeFigureOut">
               <a:rPr lang="en-SE" smtClean="0"/>
-              <a:t>2025-06-24</a:t>
+              <a:t>2025-06-30</a:t>
             </a:fld>
             <a:endParaRPr lang="en-SE"/>
           </a:p>
@@ -866,7 +924,7 @@
           <a:p>
             <a:fld id="{6E9C2EB9-ED68-4486-85BD-9CBFDE53D203}" type="datetimeFigureOut">
               <a:rPr lang="en-SE" smtClean="0"/>
-              <a:t>2025-06-24</a:t>
+              <a:t>2025-06-30</a:t>
             </a:fld>
             <a:endParaRPr lang="en-SE"/>
           </a:p>
@@ -1142,7 +1200,7 @@
           <a:p>
             <a:fld id="{6E9C2EB9-ED68-4486-85BD-9CBFDE53D203}" type="datetimeFigureOut">
               <a:rPr lang="en-SE" smtClean="0"/>
-              <a:t>2025-06-24</a:t>
+              <a:t>2025-06-30</a:t>
             </a:fld>
             <a:endParaRPr lang="en-SE"/>
           </a:p>
@@ -1410,7 +1468,7 @@
           <a:p>
             <a:fld id="{6E9C2EB9-ED68-4486-85BD-9CBFDE53D203}" type="datetimeFigureOut">
               <a:rPr lang="en-SE" smtClean="0"/>
-              <a:t>2025-06-24</a:t>
+              <a:t>2025-06-30</a:t>
             </a:fld>
             <a:endParaRPr lang="en-SE"/>
           </a:p>
@@ -1825,7 +1883,7 @@
           <a:p>
             <a:fld id="{6E9C2EB9-ED68-4486-85BD-9CBFDE53D203}" type="datetimeFigureOut">
               <a:rPr lang="en-SE" smtClean="0"/>
-              <a:t>2025-06-24</a:t>
+              <a:t>2025-06-30</a:t>
             </a:fld>
             <a:endParaRPr lang="en-SE"/>
           </a:p>
@@ -1967,7 +2025,7 @@
           <a:p>
             <a:fld id="{6E9C2EB9-ED68-4486-85BD-9CBFDE53D203}" type="datetimeFigureOut">
               <a:rPr lang="en-SE" smtClean="0"/>
-              <a:t>2025-06-24</a:t>
+              <a:t>2025-06-30</a:t>
             </a:fld>
             <a:endParaRPr lang="en-SE"/>
           </a:p>
@@ -2080,7 +2138,7 @@
           <a:p>
             <a:fld id="{6E9C2EB9-ED68-4486-85BD-9CBFDE53D203}" type="datetimeFigureOut">
               <a:rPr lang="en-SE" smtClean="0"/>
-              <a:t>2025-06-24</a:t>
+              <a:t>2025-06-30</a:t>
             </a:fld>
             <a:endParaRPr lang="en-SE"/>
           </a:p>
@@ -2393,7 +2451,7 @@
           <a:p>
             <a:fld id="{6E9C2EB9-ED68-4486-85BD-9CBFDE53D203}" type="datetimeFigureOut">
               <a:rPr lang="en-SE" smtClean="0"/>
-              <a:t>2025-06-24</a:t>
+              <a:t>2025-06-30</a:t>
             </a:fld>
             <a:endParaRPr lang="en-SE"/>
           </a:p>
@@ -2682,7 +2740,7 @@
           <a:p>
             <a:fld id="{6E9C2EB9-ED68-4486-85BD-9CBFDE53D203}" type="datetimeFigureOut">
               <a:rPr lang="en-SE" smtClean="0"/>
-              <a:t>2025-06-24</a:t>
+              <a:t>2025-06-30</a:t>
             </a:fld>
             <a:endParaRPr lang="en-SE"/>
           </a:p>
@@ -2925,7 +2983,7 @@
           <a:p>
             <a:fld id="{6E9C2EB9-ED68-4486-85BD-9CBFDE53D203}" type="datetimeFigureOut">
               <a:rPr lang="en-SE" smtClean="0"/>
-              <a:t>2025-06-24</a:t>
+              <a:t>2025-06-30</a:t>
             </a:fld>
             <a:endParaRPr lang="en-SE"/>
           </a:p>
@@ -3564,7 +3622,7 @@
               <a:rPr lang="en-GB" dirty="0">
                 <a:latin typeface="+mj-lt"/>
               </a:rPr>
-              <a:t>F3 – Multilateral governance</a:t>
+              <a:t>F3 – Global governance</a:t>
             </a:r>
             <a:endParaRPr lang="en-SE" dirty="0">
               <a:latin typeface="+mj-lt"/>
@@ -3717,7 +3775,11 @@
               <a:rPr lang="en-GB" dirty="0">
                 <a:latin typeface="+mj-lt"/>
               </a:rPr>
-              <a:t>F1 – Capital-rooted interdependence</a:t>
+              <a:t>F1 – </a:t>
+            </a:r>
+            <a:r>
+              <a:rPr lang="en-GB" dirty="0"/>
+              <a:t>Analytical tractability</a:t>
             </a:r>
             <a:endParaRPr lang="en-SE" dirty="0">
               <a:latin typeface="+mj-lt"/>
@@ -3739,8 +3801,8 @@
         </p:nvSpPr>
         <p:spPr>
           <a:xfrm>
-            <a:off x="7157680" y="5355321"/>
-            <a:ext cx="2261432" cy="369332"/>
+            <a:off x="7157680" y="5216821"/>
+            <a:ext cx="2261432" cy="646331"/>
           </a:xfrm>
           <a:prstGeom prst="rect">
             <a:avLst/>
@@ -3758,7 +3820,7 @@
               <a:rPr lang="en-GB" dirty="0">
                 <a:latin typeface="+mj-lt"/>
               </a:rPr>
-              <a:t>F4 – Postcolonialism</a:t>
+              <a:t>F4 – Conceptual stringency</a:t>
             </a:r>
             <a:endParaRPr lang="en-SE" dirty="0">
               <a:latin typeface="+mj-lt"/>
